--- a/mod-08-invoices/mod-08-invoices.pptx
+++ b/mod-08-invoices/mod-08-invoices.pptx
@@ -302,7 +302,7 @@
               <a:rPr lang="en-US" smtClean="0">
                 <a:latin typeface="Segoe UI" pitchFamily="34" charset="0"/>
               </a:rPr>
-              <a:t>3/14/2016 8:31 PM</a:t>
+              <a:t>3/17/2016 4:21 PM</a:t>
             </a:fld>
             <a:endParaRPr lang="en-US" dirty="0">
               <a:latin typeface="Segoe UI" pitchFamily="34" charset="0"/>
@@ -599,7 +599,7 @@
           <a:p>
             <a:fld id="{38EEC551-8CDA-4EB6-89BB-2A86C9F091C8}" type="datetime8">
               <a:rPr lang="en-US" smtClean="0"/>
-              <a:t>3/14/2016 8:31 PM</a:t>
+              <a:t>3/17/2016 4:21 PM</a:t>
             </a:fld>
             <a:endParaRPr lang="en-US" dirty="0"/>
           </a:p>
@@ -967,7 +967,7 @@
           <a:p>
             <a:fld id="{90EC29EE-A8AD-4CE0-9C0B-116E0D4D7533}" type="datetime8">
               <a:rPr lang="en-US" smtClean="0"/>
-              <a:t>3/14/2016 8:31 PM</a:t>
+              <a:t>3/17/2016 4:21 PM</a:t>
             </a:fld>
             <a:endParaRPr lang="en-US" dirty="0"/>
           </a:p>
@@ -1152,7 +1152,7 @@
           <a:p>
             <a:fld id="{38EEC551-8CDA-4EB6-89BB-2A86C9F091C8}" type="datetime8">
               <a:rPr lang="en-US" smtClean="0"/>
-              <a:t>3/14/2016 8:31 PM</a:t>
+              <a:t>3/17/2016 4:21 PM</a:t>
             </a:fld>
             <a:endParaRPr lang="en-US" dirty="0"/>
           </a:p>
@@ -1317,7 +1317,7 @@
           <a:p>
             <a:fld id="{90EC29EE-A8AD-4CE0-9C0B-116E0D4D7533}" type="datetime8">
               <a:rPr lang="en-US" smtClean="0"/>
-              <a:t>3/14/2016 8:31 PM</a:t>
+              <a:t>3/17/2016 4:21 PM</a:t>
             </a:fld>
             <a:endParaRPr lang="en-US" dirty="0"/>
           </a:p>
@@ -1467,7 +1467,7 @@
                   <a:prstClr val="black"/>
                 </a:solidFill>
               </a:rPr>
-              <a:t>3/14/2016 8:31 PM</a:t>
+              <a:t>3/17/2016 4:21 PM</a:t>
             </a:fld>
             <a:endParaRPr lang="en-US" dirty="0">
               <a:solidFill>
@@ -7483,11 +7483,11 @@
           <a:p>
             <a:r>
               <a:rPr lang="en-US" sz="2800" dirty="0" smtClean="0"/>
-              <a:t>https</a:t>
+              <a:t>https://</a:t>
             </a:r>
             <a:r>
               <a:rPr lang="en-US" sz="2800" dirty="0" smtClean="0"/>
-              <a:t>://api.partnercenter.microsoft.com/v1/invoices </a:t>
+              <a:t>api.partnercenter.microsoft.com/v1/invoicing </a:t>
             </a:r>
             <a:endParaRPr lang="en-US" sz="2800" dirty="0" smtClean="0"/>
           </a:p>
@@ -8002,13 +8002,8 @@
           <a:p>
             <a:r>
               <a:rPr lang="en-US" sz="2800" dirty="0" smtClean="0"/>
-              <a:t>https</a:t>
-            </a:r>
-            <a:r>
-              <a:rPr lang="en-US" sz="2800" dirty="0" smtClean="0"/>
-              <a:t>://api.partnercenter.microsoft.com</a:t>
-            </a:r>
-            <a:endParaRPr lang="en-US" sz="2800" dirty="0" smtClean="0"/>
+              <a:t>https://api.partnercenter.microsoft.com</a:t>
+            </a:r>
           </a:p>
           <a:p>
             <a:r>
@@ -8427,7 +8422,11 @@
             </a:r>
             <a:r>
               <a:rPr lang="en-US" sz="3200" dirty="0" smtClean="0"/>
-              <a:t> timestamp = </a:t>
+              <a:t> timestamp </a:t>
+            </a:r>
+            <a:r>
+              <a:rPr lang="en-US" sz="3200" dirty="0" smtClean="0"/>
+              <a:t> = </a:t>
             </a:r>
             <a:r>
               <a:rPr lang="en-US" sz="3200" dirty="0" err="1" smtClean="0"/>
@@ -8441,7 +8440,11 @@
           <a:p>
             <a:r>
               <a:rPr lang="en-US" sz="3200" dirty="0" smtClean="0"/>
-              <a:t>decimal balance = </a:t>
+              <a:t>decimal balance </a:t>
+            </a:r>
+            <a:r>
+              <a:rPr lang="en-US" sz="3200" dirty="0" smtClean="0"/>
+              <a:t>    = </a:t>
             </a:r>
             <a:r>
               <a:rPr lang="en-US" sz="3200" dirty="0" err="1" smtClean="0"/>
@@ -8592,30 +8595,18 @@
           <a:p>
             <a:r>
               <a:rPr lang="en-US" sz="2800" dirty="0" smtClean="0"/>
-              <a:t>https</a:t>
+              <a:t>https://</a:t>
             </a:r>
             <a:r>
               <a:rPr lang="en-US" sz="2800" dirty="0" smtClean="0"/>
-              <a:t>://api.partnercenter.microsoft.com</a:t>
-            </a:r>
-            <a:r>
-              <a:rPr lang="en-US" sz="2800" dirty="0" smtClean="0"/>
-              <a:t/>
+              <a:t>api.partnercenter.microsoft.com</a:t>
             </a:r>
             <a:br>
               <a:rPr lang="en-US" sz="2800" dirty="0" smtClean="0"/>
             </a:br>
             <a:r>
               <a:rPr lang="en-US" sz="2800" dirty="0" smtClean="0"/>
-              <a:t>                    </a:t>
-            </a:r>
-            <a:r>
-              <a:rPr lang="en-US" sz="2800" dirty="0" smtClean="0"/>
-              <a:t>/v1/invoices/su</a:t>
-            </a:r>
-            <a:r>
-              <a:rPr lang="en-US" sz="2800" dirty="0" smtClean="0"/>
-              <a:t>mmary</a:t>
+              <a:t>                    /v1/invoicing/summary</a:t>
             </a:r>
             <a:endParaRPr lang="en-US" sz="2800" dirty="0" smtClean="0"/>
           </a:p>
@@ -10109,7 +10100,23 @@
                   <a:schemeClr val="bg1"/>
                 </a:solidFill>
               </a:rPr>
-              <a:t>oreach(var detail in invoice.invoiceDetails) {</a:t>
+              <a:t>oreach(var detail in </a:t>
+            </a:r>
+            <a:r>
+              <a:rPr lang="is-IS" sz="2400" dirty="0" smtClean="0">
+                <a:solidFill>
+                  <a:schemeClr val="bg1"/>
+                </a:solidFill>
+              </a:rPr>
+              <a:t>invoice.InvoiceDetails</a:t>
+            </a:r>
+            <a:r>
+              <a:rPr lang="is-IS" sz="2400" dirty="0" smtClean="0">
+                <a:solidFill>
+                  <a:schemeClr val="bg1"/>
+                </a:solidFill>
+              </a:rPr>
+              <a:t>) {</a:t>
             </a:r>
           </a:p>
           <a:p>
@@ -10163,21 +10170,8 @@
                   <a:schemeClr val="bg1"/>
                 </a:solidFill>
               </a:rPr>
-              <a:t>                    </a:t>
-            </a:r>
-            <a:r>
-              <a:rPr lang="is-IS" sz="2400" dirty="0" smtClean="0">
-                <a:solidFill>
-                  <a:schemeClr val="bg1"/>
-                </a:solidFill>
-              </a:rPr>
-              <a:t>detail.InvoiceLineItemType);</a:t>
-            </a:r>
-            <a:endParaRPr lang="is-IS" sz="2400" dirty="0" smtClean="0">
-              <a:solidFill>
-                <a:schemeClr val="bg1"/>
-              </a:solidFill>
-            </a:endParaRPr>
+              <a:t>                    detail.InvoiceLineItemType);</a:t>
+            </a:r>
           </a:p>
           <a:p>
             <a:r>
@@ -11119,6 +11113,92 @@
 </file>
 
 <file path=customXml/item1.xml><?xml version="1.0" encoding="utf-8"?>
+<?mso-contentType ?>
+<FormTemplates xmlns="http://schemas.microsoft.com/sharepoint/v3/contenttype/forms">
+  <Display>DocumentLibraryForm</Display>
+  <Edit>DocumentLibraryForm</Edit>
+  <New>DocumentLibraryForm</New>
+</FormTemplates>
+</file>
+
+<file path=customXml/item2.xml><?xml version="1.0" encoding="utf-8"?>
+<p:properties xmlns:p="http://schemas.microsoft.com/office/2006/metadata/properties" xmlns:xsi="http://www.w3.org/2001/XMLSchema-instance" xmlns:pc="http://schemas.microsoft.com/office/infopath/2007/PartnerControls">
+  <documentManagement>
+    <h9a868b2ee15488883f623ae5237ecae xmlns="12a172fe-0250-434a-85cf-03b10810c5e5">
+      <Terms xmlns="http://schemas.microsoft.com/office/infopath/2007/PartnerControls">
+        <TermInfo xmlns="http://schemas.microsoft.com/office/infopath/2007/PartnerControls">
+          <TermName xmlns="http://schemas.microsoft.com/office/infopath/2007/PartnerControls">McCormick Place</TermName>
+          <TermId xmlns="http://schemas.microsoft.com/office/infopath/2007/PartnerControls">f42e8eaa-659e-42d3-85a5-a4ea6b6d2ed7</TermId>
+        </TermInfo>
+      </Terms>
+    </h9a868b2ee15488883f623ae5237ecae>
+    <k62f7d35b80b40fb8c27985e50b34fcd xmlns="12a172fe-0250-434a-85cf-03b10810c5e5">
+      <Terms xmlns="http://schemas.microsoft.com/office/infopath/2007/PartnerControls">
+        <TermInfo xmlns="http://schemas.microsoft.com/office/infopath/2007/PartnerControls">
+          <TermName xmlns="http://schemas.microsoft.com/office/infopath/2007/PartnerControls">Microsoft Ignite</TermName>
+          <TermId xmlns="http://schemas.microsoft.com/office/infopath/2007/PartnerControls">9323c522-fe4b-4922-816b-10a1920d7afb</TermId>
+        </TermInfo>
+      </Terms>
+    </k62f7d35b80b40fb8c27985e50b34fcd>
+    <LikesCount xmlns="http://schemas.microsoft.com/sharepoint/v3" xsi:nil="true"/>
+    <pfbfa50075a04958bd8757dc155d3e08 xmlns="12a172fe-0250-434a-85cf-03b10810c5e5">
+      <Terms xmlns="http://schemas.microsoft.com/office/infopath/2007/PartnerControls">
+        <TermInfo xmlns="http://schemas.microsoft.com/office/infopath/2007/PartnerControls">
+          <TermName xmlns="http://schemas.microsoft.com/office/infopath/2007/PartnerControls">Chicago</TermName>
+          <TermId xmlns="http://schemas.microsoft.com/office/infopath/2007/PartnerControls">b2ea4b94-6e68-4e03-872e-ca2dcc35a47e</TermId>
+        </TermInfo>
+      </Terms>
+    </pfbfa50075a04958bd8757dc155d3e08>
+    <Presentation_x0020_Date xmlns="12a172fe-0250-434a-85cf-03b10810c5e5" xsi:nil="true"/>
+    <o72fbe6ee5ae4131af0832c08ec51202 xmlns="12a172fe-0250-434a-85cf-03b10810c5e5">
+      <Terms xmlns="http://schemas.microsoft.com/office/infopath/2007/PartnerControls"/>
+    </o72fbe6ee5ae4131af0832c08ec51202>
+    <Event_x0020_Start_x0020_Date xmlns="12a172fe-0250-434a-85cf-03b10810c5e5">2015-05-04T07:00:00+00:00</Event_x0020_Start_x0020_Date>
+    <MS_x0020_Content_x0020_Owner xmlns="12a172fe-0250-434a-85cf-03b10810c5e5">
+      <UserInfo>
+        <DisplayName/>
+        <AccountId xsi:nil="true"/>
+        <AccountType/>
+      </UserInfo>
+    </MS_x0020_Content_x0020_Owner>
+    <MS_x0020_Speaker xmlns="12a172fe-0250-434a-85cf-03b10810c5e5">
+      <UserInfo>
+        <DisplayName/>
+        <AccountId xsi:nil="true"/>
+        <AccountType/>
+      </UserInfo>
+    </MS_x0020_Speaker>
+    <External_x0020_Speaker xmlns="12a172fe-0250-434a-85cf-03b10810c5e5" xsi:nil="true"/>
+    <Session_x0020_Code xmlns="12a172fe-0250-434a-85cf-03b10810c5e5" xsi:nil="true"/>
+    <le8386062bd54e24a95c83b32ccbdb34 xmlns="12a172fe-0250-434a-85cf-03b10810c5e5">
+      <Terms xmlns="http://schemas.microsoft.com/office/infopath/2007/PartnerControls"/>
+    </le8386062bd54e24a95c83b32ccbdb34>
+    <j4d4d959795b4220a289a041ed046605 xmlns="12a172fe-0250-434a-85cf-03b10810c5e5">
+      <Terms xmlns="http://schemas.microsoft.com/office/infopath/2007/PartnerControls"/>
+    </j4d4d959795b4220a289a041ed046605>
+    <Event_x0020_End_x0020_Date xmlns="12a172fe-0250-434a-85cf-03b10810c5e5">2015-05-08T07:00:00+00:00</Event_x0020_End_x0020_Date>
+    <TaxKeywordTaxHTField xmlns="230e9df3-be65-4c73-a93b-d1236ebd677e">
+      <Terms xmlns="http://schemas.microsoft.com/office/infopath/2007/PartnerControls">
+        <TermInfo xmlns="http://schemas.microsoft.com/office/infopath/2007/PartnerControls">
+          <TermName xmlns="http://schemas.microsoft.com/office/infopath/2007/PartnerControls">Microsoft Ignite 2015</TermName>
+          <TermId xmlns="http://schemas.microsoft.com/office/infopath/2007/PartnerControls">9eb2896f-7457-4443-a47b-f60d2d30355c</TermId>
+        </TermInfo>
+      </Terms>
+    </TaxKeywordTaxHTField>
+    <TaxCatchAll xmlns="230e9df3-be65-4c73-a93b-d1236ebd677e">
+      <Value>41</Value>
+      <Value>44</Value>
+      <Value>43</Value>
+      <Value>42</Value>
+    </TaxCatchAll>
+    <eb9cf3a3af7b473faa5c9c98148a90a4 xmlns="12a172fe-0250-434a-85cf-03b10810c5e5">
+      <Terms xmlns="http://schemas.microsoft.com/office/infopath/2007/PartnerControls"/>
+    </eb9cf3a3af7b473faa5c9c98148a90a4>
+  </documentManagement>
+</p:properties>
+</file>
+
+<file path=customXml/item3.xml><?xml version="1.0" encoding="utf-8"?>
 <ct:contentTypeSchema xmlns:ct="http://schemas.microsoft.com/office/2006/metadata/contentType" xmlns:ma="http://schemas.microsoft.com/office/2006/metadata/properties/metaAttributes" ct:_="" ma:_="" ma:contentTypeName="PresentationsDoc" ma:contentTypeID="0x01010046EBBE4F454C2C47A5E89CD935B1FC7800E83BCD34BAE21044A0567CF64FDFDE54" ma:contentTypeVersion="3" ma:contentTypeDescription="Create a new document." ma:contentTypeScope="" ma:versionID="ad0318b59f0baaa5619a87a276b8590a">
   <xsd:schema xmlns:xsd="http://www.w3.org/2001/XMLSchema" xmlns:xs="http://www.w3.org/2001/XMLSchema" xmlns:p="http://schemas.microsoft.com/office/2006/metadata/properties" xmlns:ns1="http://schemas.microsoft.com/sharepoint/v3" xmlns:ns2="12a172fe-0250-434a-85cf-03b10810c5e5" xmlns:ns3="230e9df3-be65-4c73-a93b-d1236ebd677e" targetNamespace="http://schemas.microsoft.com/office/2006/metadata/properties" ma:root="true" ma:fieldsID="26205b5b46d9ab9d881e0fa75366d1c2" ns1:_="" ns2:_="" ns3:_="">
     <xsd:import namespace="http://schemas.microsoft.com/sharepoint/v3"/>
@@ -11428,93 +11508,27 @@
 </ct:contentTypeSchema>
 </file>
 
-<file path=customXml/item2.xml><?xml version="1.0" encoding="utf-8"?>
-<p:properties xmlns:p="http://schemas.microsoft.com/office/2006/metadata/properties" xmlns:xsi="http://www.w3.org/2001/XMLSchema-instance" xmlns:pc="http://schemas.microsoft.com/office/infopath/2007/PartnerControls">
-  <documentManagement>
-    <h9a868b2ee15488883f623ae5237ecae xmlns="12a172fe-0250-434a-85cf-03b10810c5e5">
-      <Terms xmlns="http://schemas.microsoft.com/office/infopath/2007/PartnerControls">
-        <TermInfo xmlns="http://schemas.microsoft.com/office/infopath/2007/PartnerControls">
-          <TermName xmlns="http://schemas.microsoft.com/office/infopath/2007/PartnerControls">McCormick Place</TermName>
-          <TermId xmlns="http://schemas.microsoft.com/office/infopath/2007/PartnerControls">f42e8eaa-659e-42d3-85a5-a4ea6b6d2ed7</TermId>
-        </TermInfo>
-      </Terms>
-    </h9a868b2ee15488883f623ae5237ecae>
-    <k62f7d35b80b40fb8c27985e50b34fcd xmlns="12a172fe-0250-434a-85cf-03b10810c5e5">
-      <Terms xmlns="http://schemas.microsoft.com/office/infopath/2007/PartnerControls">
-        <TermInfo xmlns="http://schemas.microsoft.com/office/infopath/2007/PartnerControls">
-          <TermName xmlns="http://schemas.microsoft.com/office/infopath/2007/PartnerControls">Microsoft Ignite</TermName>
-          <TermId xmlns="http://schemas.microsoft.com/office/infopath/2007/PartnerControls">9323c522-fe4b-4922-816b-10a1920d7afb</TermId>
-        </TermInfo>
-      </Terms>
-    </k62f7d35b80b40fb8c27985e50b34fcd>
-    <LikesCount xmlns="http://schemas.microsoft.com/sharepoint/v3" xsi:nil="true"/>
-    <pfbfa50075a04958bd8757dc155d3e08 xmlns="12a172fe-0250-434a-85cf-03b10810c5e5">
-      <Terms xmlns="http://schemas.microsoft.com/office/infopath/2007/PartnerControls">
-        <TermInfo xmlns="http://schemas.microsoft.com/office/infopath/2007/PartnerControls">
-          <TermName xmlns="http://schemas.microsoft.com/office/infopath/2007/PartnerControls">Chicago</TermName>
-          <TermId xmlns="http://schemas.microsoft.com/office/infopath/2007/PartnerControls">b2ea4b94-6e68-4e03-872e-ca2dcc35a47e</TermId>
-        </TermInfo>
-      </Terms>
-    </pfbfa50075a04958bd8757dc155d3e08>
-    <Presentation_x0020_Date xmlns="12a172fe-0250-434a-85cf-03b10810c5e5" xsi:nil="true"/>
-    <o72fbe6ee5ae4131af0832c08ec51202 xmlns="12a172fe-0250-434a-85cf-03b10810c5e5">
-      <Terms xmlns="http://schemas.microsoft.com/office/infopath/2007/PartnerControls"/>
-    </o72fbe6ee5ae4131af0832c08ec51202>
-    <Event_x0020_Start_x0020_Date xmlns="12a172fe-0250-434a-85cf-03b10810c5e5">2015-05-04T07:00:00+00:00</Event_x0020_Start_x0020_Date>
-    <MS_x0020_Content_x0020_Owner xmlns="12a172fe-0250-434a-85cf-03b10810c5e5">
-      <UserInfo>
-        <DisplayName/>
-        <AccountId xsi:nil="true"/>
-        <AccountType/>
-      </UserInfo>
-    </MS_x0020_Content_x0020_Owner>
-    <MS_x0020_Speaker xmlns="12a172fe-0250-434a-85cf-03b10810c5e5">
-      <UserInfo>
-        <DisplayName/>
-        <AccountId xsi:nil="true"/>
-        <AccountType/>
-      </UserInfo>
-    </MS_x0020_Speaker>
-    <External_x0020_Speaker xmlns="12a172fe-0250-434a-85cf-03b10810c5e5" xsi:nil="true"/>
-    <Session_x0020_Code xmlns="12a172fe-0250-434a-85cf-03b10810c5e5" xsi:nil="true"/>
-    <le8386062bd54e24a95c83b32ccbdb34 xmlns="12a172fe-0250-434a-85cf-03b10810c5e5">
-      <Terms xmlns="http://schemas.microsoft.com/office/infopath/2007/PartnerControls"/>
-    </le8386062bd54e24a95c83b32ccbdb34>
-    <j4d4d959795b4220a289a041ed046605 xmlns="12a172fe-0250-434a-85cf-03b10810c5e5">
-      <Terms xmlns="http://schemas.microsoft.com/office/infopath/2007/PartnerControls"/>
-    </j4d4d959795b4220a289a041ed046605>
-    <Event_x0020_End_x0020_Date xmlns="12a172fe-0250-434a-85cf-03b10810c5e5">2015-05-08T07:00:00+00:00</Event_x0020_End_x0020_Date>
-    <TaxKeywordTaxHTField xmlns="230e9df3-be65-4c73-a93b-d1236ebd677e">
-      <Terms xmlns="http://schemas.microsoft.com/office/infopath/2007/PartnerControls">
-        <TermInfo xmlns="http://schemas.microsoft.com/office/infopath/2007/PartnerControls">
-          <TermName xmlns="http://schemas.microsoft.com/office/infopath/2007/PartnerControls">Microsoft Ignite 2015</TermName>
-          <TermId xmlns="http://schemas.microsoft.com/office/infopath/2007/PartnerControls">9eb2896f-7457-4443-a47b-f60d2d30355c</TermId>
-        </TermInfo>
-      </Terms>
-    </TaxKeywordTaxHTField>
-    <TaxCatchAll xmlns="230e9df3-be65-4c73-a93b-d1236ebd677e">
-      <Value>41</Value>
-      <Value>44</Value>
-      <Value>43</Value>
-      <Value>42</Value>
-    </TaxCatchAll>
-    <eb9cf3a3af7b473faa5c9c98148a90a4 xmlns="12a172fe-0250-434a-85cf-03b10810c5e5">
-      <Terms xmlns="http://schemas.microsoft.com/office/infopath/2007/PartnerControls"/>
-    </eb9cf3a3af7b473faa5c9c98148a90a4>
-  </documentManagement>
-</p:properties>
+<file path=customXml/itemProps1.xml><?xml version="1.0" encoding="utf-8"?>
+<ds:datastoreItem xmlns:ds="http://schemas.openxmlformats.org/officeDocument/2006/customXml" ds:itemID="{758FDAC0-319D-4A54-8D8E-1D42CB1F8004}">
+  <ds:schemaRefs>
+    <ds:schemaRef ds:uri="http://schemas.microsoft.com/sharepoint/v3/contenttype/forms"/>
+  </ds:schemaRefs>
+</ds:datastoreItem>
 </file>
 
-<file path=customXml/item3.xml><?xml version="1.0" encoding="utf-8"?>
-<?mso-contentType ?>
-<FormTemplates xmlns="http://schemas.microsoft.com/sharepoint/v3/contenttype/forms">
-  <Display>DocumentLibraryForm</Display>
-  <Edit>DocumentLibraryForm</Edit>
-  <New>DocumentLibraryForm</New>
-</FormTemplates>
+<file path=customXml/itemProps2.xml><?xml version="1.0" encoding="utf-8"?>
+<ds:datastoreItem xmlns:ds="http://schemas.openxmlformats.org/officeDocument/2006/customXml" ds:itemID="{F990F116-B58F-4255-B05B-DA3808E0E5C6}">
+  <ds:schemaRefs>
+    <ds:schemaRef ds:uri="http://schemas.microsoft.com/office/2006/metadata/properties"/>
+    <ds:schemaRef ds:uri="http://schemas.microsoft.com/office/infopath/2007/PartnerControls"/>
+    <ds:schemaRef ds:uri="12a172fe-0250-434a-85cf-03b10810c5e5"/>
+    <ds:schemaRef ds:uri="http://schemas.microsoft.com/sharepoint/v3"/>
+    <ds:schemaRef ds:uri="230e9df3-be65-4c73-a93b-d1236ebd677e"/>
+  </ds:schemaRefs>
+</ds:datastoreItem>
 </file>
 
-<file path=customXml/itemProps1.xml><?xml version="1.0" encoding="utf-8"?>
+<file path=customXml/itemProps3.xml><?xml version="1.0" encoding="utf-8"?>
 <ds:datastoreItem xmlns:ds="http://schemas.openxmlformats.org/officeDocument/2006/customXml" ds:itemID="{5D0DEFCE-63D4-4F88-8228-705C0AA70593}">
   <ds:schemaRefs>
     <ds:schemaRef ds:uri="http://schemas.microsoft.com/office/2006/metadata/contentType"/>
@@ -11532,24 +11546,4 @@
     <ds:schemaRef ds:uri="http://schemas.microsoft.com/internal/obd"/>
   </ds:schemaRefs>
 </ds:datastoreItem>
-</file>
-
-<file path=customXml/itemProps2.xml><?xml version="1.0" encoding="utf-8"?>
-<ds:datastoreItem xmlns:ds="http://schemas.openxmlformats.org/officeDocument/2006/customXml" ds:itemID="{F990F116-B58F-4255-B05B-DA3808E0E5C6}">
-  <ds:schemaRefs>
-    <ds:schemaRef ds:uri="http://schemas.microsoft.com/office/2006/metadata/properties"/>
-    <ds:schemaRef ds:uri="http://schemas.microsoft.com/office/infopath/2007/PartnerControls"/>
-    <ds:schemaRef ds:uri="12a172fe-0250-434a-85cf-03b10810c5e5"/>
-    <ds:schemaRef ds:uri="http://schemas.microsoft.com/sharepoint/v3"/>
-    <ds:schemaRef ds:uri="230e9df3-be65-4c73-a93b-d1236ebd677e"/>
-  </ds:schemaRefs>
-</ds:datastoreItem>
-</file>
-
-<file path=customXml/itemProps3.xml><?xml version="1.0" encoding="utf-8"?>
-<ds:datastoreItem xmlns:ds="http://schemas.openxmlformats.org/officeDocument/2006/customXml" ds:itemID="{758FDAC0-319D-4A54-8D8E-1D42CB1F8004}">
-  <ds:schemaRefs>
-    <ds:schemaRef ds:uri="http://schemas.microsoft.com/sharepoint/v3/contenttype/forms"/>
-  </ds:schemaRefs>
-</ds:datastoreItem>
 </file>